--- a/modules/module04/slides.pptx
+++ b/modules/module04/slides.pptx
@@ -7243,7 +7243,7 @@
                 </a:solidFill>
                 <a:latin typeface="Courier"/>
               </a:rPr>
-              <a:t>"hocky"</a:t>
+              <a:t>"hockey"</a:t>
             </a:r>
             <a:r>
               <a:rPr>
